--- a/PPT/第05讲_规划模型.pptx
+++ b/PPT/第05讲_规划模型.pptx
@@ -282,7 +282,7 @@
           <a:p>
             <a:fld id="{7F25A8C7-CC1A-4A08-9B4B-31F43B054C7F}" type="datetimeFigureOut">
               <a:rPr lang="zh-CN" altLang="en-US" smtClean="0"/>
-              <a:t>2022/8/15</a:t>
+              <a:t>2022/10/11</a:t>
             </a:fld>
             <a:endParaRPr lang="zh-CN" altLang="en-US"/>
           </a:p>
@@ -913,7 +913,7 @@
           <a:p>
             <a:fld id="{D997B5FA-0921-464F-AAE1-844C04324D75}" type="datetimeFigureOut">
               <a:rPr lang="zh-CN" altLang="en-US" smtClean="0"/>
-              <a:t>2022/8/15</a:t>
+              <a:t>2022/10/11</a:t>
             </a:fld>
             <a:endParaRPr lang="zh-CN" altLang="en-US" dirty="0"/>
           </a:p>
@@ -1030,7 +1030,7 @@
           <a:p>
             <a:fld id="{760FBDFE-C587-4B4C-A407-44438C67B59E}" type="datetimeFigureOut">
               <a:rPr lang="zh-CN" altLang="en-US" smtClean="0"/>
-              <a:t>2022/8/15</a:t>
+              <a:t>2022/10/11</a:t>
             </a:fld>
             <a:endParaRPr lang="zh-CN" altLang="en-US"/>
           </a:p>
@@ -1230,7 +1230,7 @@
           <a:p>
             <a:fld id="{263DB197-84B0-484E-9C0F-88358ECCB797}" type="datetimeFigureOut">
               <a:rPr lang="zh-CN" altLang="en-US" smtClean="0"/>
-              <a:t>2022/8/15</a:t>
+              <a:t>2022/10/11</a:t>
             </a:fld>
             <a:endParaRPr lang="zh-CN" altLang="en-US"/>
           </a:p>
@@ -1446,7 +1446,7 @@
           <a:p>
             <a:fld id="{760FBDFE-C587-4B4C-A407-44438C67B59E}" type="datetimeFigureOut">
               <a:rPr lang="zh-CN" altLang="en-US" smtClean="0"/>
-              <a:t>2022/8/15</a:t>
+              <a:t>2022/10/11</a:t>
             </a:fld>
             <a:endParaRPr lang="zh-CN" altLang="en-US" dirty="0"/>
           </a:p>
@@ -1563,7 +1563,7 @@
           <a:p>
             <a:fld id="{20DD7636-5BE1-44BC-BB5F-15739D9E18E1}" type="datetimeFigureOut">
               <a:rPr lang="zh-CN" altLang="en-US" smtClean="0"/>
-              <a:t>2022/8/15</a:t>
+              <a:t>2022/10/11</a:t>
             </a:fld>
             <a:endParaRPr lang="zh-CN" altLang="en-US"/>
           </a:p>
@@ -1852,7 +1852,7 @@
           <a:p>
             <a:fld id="{760FBDFE-C587-4B4C-A407-44438C67B59E}" type="datetimeFigureOut">
               <a:rPr lang="zh-CN" altLang="en-US" smtClean="0"/>
-              <a:t>2022/8/15</a:t>
+              <a:t>2022/10/11</a:t>
             </a:fld>
             <a:endParaRPr lang="zh-CN" altLang="en-US"/>
           </a:p>
@@ -2238,7 +2238,7 @@
           <a:p>
             <a:fld id="{760FBDFE-C587-4B4C-A407-44438C67B59E}" type="datetimeFigureOut">
               <a:rPr lang="zh-CN" altLang="en-US" smtClean="0"/>
-              <a:t>2022/8/15</a:t>
+              <a:t>2022/10/11</a:t>
             </a:fld>
             <a:endParaRPr lang="zh-CN" altLang="en-US"/>
           </a:p>
@@ -2392,7 +2392,7 @@
           <a:p>
             <a:fld id="{20DD7636-5BE1-44BC-BB5F-15739D9E18E1}" type="datetimeFigureOut">
               <a:rPr lang="zh-CN" altLang="en-US" smtClean="0"/>
-              <a:t>2022/8/15</a:t>
+              <a:t>2022/10/11</a:t>
             </a:fld>
             <a:endParaRPr lang="zh-CN" altLang="en-US"/>
           </a:p>
@@ -2548,7 +2548,7 @@
           <a:p>
             <a:fld id="{760FBDFE-C587-4B4C-A407-44438C67B59E}" type="datetimeFigureOut">
               <a:rPr lang="zh-CN" altLang="en-US" smtClean="0"/>
-              <a:t>2022/8/15</a:t>
+              <a:t>2022/10/11</a:t>
             </a:fld>
             <a:endParaRPr lang="zh-CN" altLang="en-US"/>
           </a:p>
@@ -2826,7 +2826,7 @@
           <a:p>
             <a:fld id="{9EFD9D74-47D9-4702-A33C-335B63B48DBF}" type="datetimeFigureOut">
               <a:rPr lang="zh-CN" altLang="en-US" smtClean="0"/>
-              <a:t>2022/8/15</a:t>
+              <a:t>2022/10/11</a:t>
             </a:fld>
             <a:endParaRPr lang="zh-CN" altLang="en-US" dirty="0"/>
           </a:p>
@@ -3032,7 +3032,7 @@
           <a:p>
             <a:fld id="{760FBDFE-C587-4B4C-A407-44438C67B59E}" type="datetimeFigureOut">
               <a:rPr lang="zh-CN" altLang="en-US" smtClean="0"/>
-              <a:t>2022/8/15</a:t>
+              <a:t>2022/10/11</a:t>
             </a:fld>
             <a:endParaRPr lang="zh-CN" altLang="en-US"/>
           </a:p>
@@ -4059,8 +4059,8 @@
         </p:nvSpPr>
         <p:spPr>
           <a:xfrm>
-            <a:off x="6349365" y="1848485"/>
-            <a:ext cx="2864485" cy="3115945"/>
+            <a:off x="6349365" y="2088587"/>
+            <a:ext cx="2864485" cy="2875843"/>
           </a:xfrm>
           <a:prstGeom prst="ellipse">
             <a:avLst/>
@@ -4107,8 +4107,8 @@
         </p:nvSpPr>
         <p:spPr>
           <a:xfrm>
-            <a:off x="1680210" y="1476375"/>
-            <a:ext cx="9265285" cy="1322070"/>
+            <a:off x="3263887" y="2324093"/>
+            <a:ext cx="9265285" cy="923330"/>
           </a:xfrm>
           <a:prstGeom prst="rect">
             <a:avLst/>
@@ -4122,7 +4122,7 @@
           <a:lstStyle/>
           <a:p>
             <a:r>
-              <a:rPr lang="zh-CN" altLang="en-US" sz="8000" b="1" dirty="0">
+              <a:rPr lang="zh-CN" altLang="en-US" sz="5400" b="1" dirty="0">
                 <a:solidFill>
                   <a:srgbClr val="C00000"/>
                 </a:solidFill>
@@ -4132,7 +4132,7 @@
               <a:t>第</a:t>
             </a:r>
             <a:r>
-              <a:rPr lang="en-US" altLang="zh-CN" sz="8000" b="1" dirty="0">
+              <a:rPr lang="en-US" altLang="zh-CN" sz="5400" b="1" dirty="0">
                 <a:solidFill>
                   <a:srgbClr val="C00000"/>
                 </a:solidFill>
@@ -4142,7 +4142,7 @@
               <a:t>05</a:t>
             </a:r>
             <a:r>
-              <a:rPr lang="zh-CN" altLang="en-US" sz="8000" b="1" dirty="0">
+              <a:rPr lang="zh-CN" altLang="en-US" sz="5400" b="1" dirty="0">
                 <a:solidFill>
                   <a:srgbClr val="C00000"/>
                 </a:solidFill>
@@ -4353,8 +4353,8 @@
         </p:nvSpPr>
         <p:spPr>
           <a:xfrm>
-            <a:off x="-1211580" y="-1113155"/>
-            <a:ext cx="2864485" cy="3115945"/>
+            <a:off x="169117" y="394970"/>
+            <a:ext cx="2864485" cy="2845492"/>
           </a:xfrm>
           <a:prstGeom prst="ellipse">
             <a:avLst/>
@@ -4401,8 +4401,8 @@
         </p:nvSpPr>
         <p:spPr>
           <a:xfrm>
-            <a:off x="10217785" y="5241290"/>
-            <a:ext cx="2864485" cy="3115945"/>
+            <a:off x="9249525" y="3982157"/>
+            <a:ext cx="2864485" cy="2875843"/>
           </a:xfrm>
           <a:prstGeom prst="ellipse">
             <a:avLst/>
@@ -4545,7 +4545,7 @@
         </p:nvSpPr>
         <p:spPr>
           <a:xfrm>
-            <a:off x="5370642" y="3762326"/>
+            <a:off x="5456343" y="3665438"/>
             <a:ext cx="1877437" cy="769441"/>
           </a:xfrm>
           <a:prstGeom prst="rect">
@@ -4569,6 +4569,77 @@
                 <a:cs typeface="楷体" panose="02010609060101010101" charset="-122"/>
               </a:rPr>
               <a:t>罗志坤</a:t>
+            </a:r>
+          </a:p>
+        </p:txBody>
+      </p:sp>
+      <p:sp>
+        <p:nvSpPr>
+          <p:cNvPr id="7" name="文本框 6">
+            <a:extLst>
+              <a:ext uri="{FF2B5EF4-FFF2-40B4-BE49-F238E27FC236}">
+                <a16:creationId xmlns:a16="http://schemas.microsoft.com/office/drawing/2014/main" id="{9781462E-38EF-F9E6-0428-7E0D57FC5E92}"/>
+              </a:ext>
+            </a:extLst>
+          </p:cNvPr>
+          <p:cNvSpPr txBox="1"/>
+          <p:nvPr/>
+        </p:nvSpPr>
+        <p:spPr>
+          <a:xfrm>
+            <a:off x="430942" y="724770"/>
+            <a:ext cx="7058343" cy="461665"/>
+          </a:xfrm>
+          <a:prstGeom prst="rect">
+            <a:avLst/>
+          </a:prstGeom>
+          <a:noFill/>
+        </p:spPr>
+        <p:txBody>
+          <a:bodyPr wrap="none" rtlCol="0">
+            <a:spAutoFit/>
+          </a:bodyPr>
+          <a:lstStyle/>
+          <a:p>
+            <a:r>
+              <a:rPr lang="zh-CN" altLang="en-US" sz="2400" dirty="0">
+                <a:solidFill>
+                  <a:srgbClr val="C00000"/>
+                </a:solidFill>
+              </a:rPr>
+              <a:t>张敬信</a:t>
+            </a:r>
+            <a:r>
+              <a:rPr lang="en-US" altLang="zh-CN" sz="2400" dirty="0">
+                <a:solidFill>
+                  <a:srgbClr val="C00000"/>
+                </a:solidFill>
+              </a:rPr>
+              <a:t>-《</a:t>
+            </a:r>
+            <a:r>
+              <a:rPr lang="zh-CN" altLang="en-US" sz="2400" dirty="0">
+                <a:solidFill>
+                  <a:srgbClr val="C00000"/>
+                </a:solidFill>
+              </a:rPr>
+              <a:t>数学建模：算法与编程实现</a:t>
+            </a:r>
+            <a:r>
+              <a:rPr lang="en-US" altLang="zh-CN" sz="2400" dirty="0">
+                <a:solidFill>
+                  <a:srgbClr val="C00000"/>
+                </a:solidFill>
+              </a:rPr>
+              <a:t>》</a:t>
+            </a:r>
+            <a:r>
+              <a:rPr lang="zh-CN" altLang="en-US" sz="2400" dirty="0">
+                <a:solidFill>
+                  <a:srgbClr val="C00000"/>
+                </a:solidFill>
+              </a:rPr>
+              <a:t>，配套课件</a:t>
             </a:r>
           </a:p>
         </p:txBody>
@@ -4705,8 +4776,8 @@
           <a:chExt cx="0" cy="0"/>
         </a:xfrm>
       </p:grpSpPr>
-      <mc:AlternateContent xmlns:mc="http://schemas.openxmlformats.org/markup-compatibility/2006">
-        <mc:Choice xmlns:a14="http://schemas.microsoft.com/office/drawing/2010/main" Requires="a14">
+      <mc:AlternateContent xmlns:mc="http://schemas.openxmlformats.org/markup-compatibility/2006" xmlns:a14="http://schemas.microsoft.com/office/drawing/2010/main">
+        <mc:Choice Requires="a14">
           <p:sp>
             <p:nvSpPr>
               <p:cNvPr id="3" name="内容占位符 2"/>
@@ -5109,7 +5180,7 @@
             </p:txBody>
           </p:sp>
         </mc:Choice>
-        <mc:Fallback>
+        <mc:Fallback xmlns="">
           <p:sp>
             <p:nvSpPr>
               <p:cNvPr id="3" name="内容占位符 2"/>
@@ -5583,8 +5654,8 @@
           </a:p>
         </p:txBody>
       </p:sp>
-      <mc:AlternateContent xmlns:mc="http://schemas.openxmlformats.org/markup-compatibility/2006">
-        <mc:Choice xmlns:a14="http://schemas.microsoft.com/office/drawing/2010/main" Requires="a14">
+      <mc:AlternateContent xmlns:mc="http://schemas.openxmlformats.org/markup-compatibility/2006" xmlns:a14="http://schemas.microsoft.com/office/drawing/2010/main">
+        <mc:Choice Requires="a14">
           <p:sp>
             <p:nvSpPr>
               <p:cNvPr id="4" name="对象 3"/>
@@ -6178,7 +6249,7 @@
             </p:txBody>
           </p:sp>
         </mc:Choice>
-        <mc:Fallback>
+        <mc:Fallback xmlns="">
           <p:sp>
             <p:nvSpPr>
               <p:cNvPr id="4" name="对象 3"/>
@@ -7837,8 +7908,8 @@
           <a:chExt cx="0" cy="0"/>
         </a:xfrm>
       </p:grpSpPr>
-      <mc:AlternateContent xmlns:mc="http://schemas.openxmlformats.org/markup-compatibility/2006">
-        <mc:Choice xmlns:a14="http://schemas.microsoft.com/office/drawing/2010/main" Requires="a14">
+      <mc:AlternateContent xmlns:mc="http://schemas.openxmlformats.org/markup-compatibility/2006" xmlns:a14="http://schemas.microsoft.com/office/drawing/2010/main">
+        <mc:Choice Requires="a14">
           <p:sp>
             <p:nvSpPr>
               <p:cNvPr id="3" name="内容占位符 2"/>
@@ -8172,7 +8243,7 @@
             </p:txBody>
           </p:sp>
         </mc:Choice>
-        <mc:Fallback>
+        <mc:Fallback xmlns="">
           <p:sp>
             <p:nvSpPr>
               <p:cNvPr id="3" name="内容占位符 2"/>
@@ -9012,8 +9083,8 @@
           <a:chExt cx="0" cy="0"/>
         </a:xfrm>
       </p:grpSpPr>
-      <mc:AlternateContent xmlns:mc="http://schemas.openxmlformats.org/markup-compatibility/2006">
-        <mc:Choice xmlns:a14="http://schemas.microsoft.com/office/drawing/2010/main" Requires="a14">
+      <mc:AlternateContent xmlns:mc="http://schemas.openxmlformats.org/markup-compatibility/2006" xmlns:a14="http://schemas.microsoft.com/office/drawing/2010/main">
+        <mc:Choice Requires="a14">
           <p:sp>
             <p:nvSpPr>
               <p:cNvPr id="3" name="内容占位符 2"/>
@@ -9817,7 +9888,7 @@
             </p:txBody>
           </p:sp>
         </mc:Choice>
-        <mc:Fallback>
+        <mc:Fallback xmlns="">
           <p:sp>
             <p:nvSpPr>
               <p:cNvPr id="3" name="内容占位符 2"/>
@@ -13252,7 +13323,7 @@
         <p:spPr bwMode="auto">
           <a:xfrm>
             <a:off x="5351554" y="1308810"/>
-            <a:ext cx="712949" cy="578444"/>
+            <a:ext cx="595339" cy="578444"/>
           </a:xfrm>
           <a:prstGeom prst="roundRect">
             <a:avLst/>
@@ -14676,8 +14747,8 @@
           <a:chExt cx="0" cy="0"/>
         </a:xfrm>
       </p:grpSpPr>
-      <mc:AlternateContent xmlns:mc="http://schemas.openxmlformats.org/markup-compatibility/2006">
-        <mc:Choice xmlns:a14="http://schemas.microsoft.com/office/drawing/2010/main" Requires="a14">
+      <mc:AlternateContent xmlns:mc="http://schemas.openxmlformats.org/markup-compatibility/2006" xmlns:a14="http://schemas.microsoft.com/office/drawing/2010/main">
+        <mc:Choice Requires="a14">
           <p:sp>
             <p:nvSpPr>
               <p:cNvPr id="3" name="内容占位符 2"/>
@@ -14941,14 +15012,7 @@
                             <a:latin typeface="Cambria Math" panose="02040503050406030204" charset="0"/>
                             <a:cs typeface="Cambria Math" panose="02040503050406030204" charset="0"/>
                           </a:rPr>
-                          <m:t>1</m:t>
-                        </m:r>
-                        <m:r>
-                          <a:rPr lang="en-US" altLang="zh-CN" i="1">
-                            <a:latin typeface="Cambria Math" panose="02040503050406030204" charset="0"/>
-                            <a:cs typeface="Cambria Math" panose="02040503050406030204" charset="0"/>
-                          </a:rPr>
-                          <m:t> </m:t>
+                          <m:t>1 </m:t>
                         </m:r>
                       </m:sub>
                     </m:sSub>
@@ -14994,14 +15058,7 @@
                             <a:latin typeface="Cambria Math" panose="02040503050406030204" charset="0"/>
                             <a:cs typeface="Cambria Math" panose="02040503050406030204" charset="0"/>
                           </a:rPr>
-                          <m:t>2</m:t>
-                        </m:r>
-                        <m:r>
-                          <a:rPr lang="en-US" altLang="zh-CN" i="1">
-                            <a:latin typeface="Cambria Math" panose="02040503050406030204" charset="0"/>
-                            <a:cs typeface="Cambria Math" panose="02040503050406030204" charset="0"/>
-                          </a:rPr>
-                          <m:t> </m:t>
+                          <m:t>2 </m:t>
                         </m:r>
                       </m:sub>
                     </m:sSub>
@@ -15018,7 +15075,7 @@
             </p:txBody>
           </p:sp>
         </mc:Choice>
-        <mc:Fallback>
+        <mc:Fallback xmlns="">
           <p:sp>
             <p:nvSpPr>
               <p:cNvPr id="3" name="内容占位符 2"/>
@@ -15096,8 +15153,8 @@
           <a:chExt cx="0" cy="0"/>
         </a:xfrm>
       </p:grpSpPr>
-      <mc:AlternateContent xmlns:mc="http://schemas.openxmlformats.org/markup-compatibility/2006">
-        <mc:Choice xmlns:a14="http://schemas.microsoft.com/office/drawing/2010/main" Requires="a14">
+      <mc:AlternateContent xmlns:mc="http://schemas.openxmlformats.org/markup-compatibility/2006" xmlns:a14="http://schemas.microsoft.com/office/drawing/2010/main">
+        <mc:Choice Requires="a14">
           <p:sp>
             <p:nvSpPr>
               <p:cNvPr id="3" name="内容占位符 2"/>
@@ -15511,7 +15568,7 @@
             </p:txBody>
           </p:sp>
         </mc:Choice>
-        <mc:Fallback>
+        <mc:Fallback xmlns="">
           <p:sp>
             <p:nvSpPr>
               <p:cNvPr id="3" name="内容占位符 2"/>
@@ -18734,8 +18791,8 @@
           <a:chExt cx="0" cy="0"/>
         </a:xfrm>
       </p:grpSpPr>
-      <mc:AlternateContent xmlns:mc="http://schemas.openxmlformats.org/markup-compatibility/2006">
-        <mc:Choice xmlns:a14="http://schemas.microsoft.com/office/drawing/2010/main" Requires="a14">
+      <mc:AlternateContent xmlns:mc="http://schemas.openxmlformats.org/markup-compatibility/2006" xmlns:a14="http://schemas.microsoft.com/office/drawing/2010/main">
+        <mc:Choice Requires="a14">
           <p:sp>
             <p:nvSpPr>
               <p:cNvPr id="3" name="内容占位符 2"/>
@@ -19244,7 +19301,7 @@
             </p:txBody>
           </p:sp>
         </mc:Choice>
-        <mc:Fallback>
+        <mc:Fallback xmlns="">
           <p:sp>
             <p:nvSpPr>
               <p:cNvPr id="3" name="内容占位符 2"/>
@@ -21346,8 +21403,8 @@
           <a:chExt cx="0" cy="0"/>
         </a:xfrm>
       </p:grpSpPr>
-      <mc:AlternateContent xmlns:mc="http://schemas.openxmlformats.org/markup-compatibility/2006">
-        <mc:Choice xmlns:a14="http://schemas.microsoft.com/office/drawing/2010/main" Requires="a14">
+      <mc:AlternateContent xmlns:mc="http://schemas.openxmlformats.org/markup-compatibility/2006" xmlns:a14="http://schemas.microsoft.com/office/drawing/2010/main">
+        <mc:Choice Requires="a14">
           <p:sp>
             <p:nvSpPr>
               <p:cNvPr id="3" name="内容占位符 2"/>
@@ -22080,7 +22137,7 @@
             </p:txBody>
           </p:sp>
         </mc:Choice>
-        <mc:Fallback>
+        <mc:Fallback xmlns="">
           <p:sp>
             <p:nvSpPr>
               <p:cNvPr id="3" name="内容占位符 2"/>
@@ -28695,8 +28752,8 @@
           <a:chExt cx="0" cy="0"/>
         </a:xfrm>
       </p:grpSpPr>
-      <mc:AlternateContent xmlns:mc="http://schemas.openxmlformats.org/markup-compatibility/2006">
-        <mc:Choice xmlns:a14="http://schemas.microsoft.com/office/drawing/2010/main" Requires="a14">
+      <mc:AlternateContent xmlns:mc="http://schemas.openxmlformats.org/markup-compatibility/2006" xmlns:a14="http://schemas.microsoft.com/office/drawing/2010/main">
+        <mc:Choice Requires="a14">
           <p:sp>
             <p:nvSpPr>
               <p:cNvPr id="3" name="内容占位符 2"/>
@@ -28995,7 +29052,7 @@
             </p:txBody>
           </p:sp>
         </mc:Choice>
-        <mc:Fallback>
+        <mc:Fallback xmlns="">
           <p:sp>
             <p:nvSpPr>
               <p:cNvPr id="3" name="内容占位符 2"/>
@@ -29193,8 +29250,8 @@
           <a:chExt cx="0" cy="0"/>
         </a:xfrm>
       </p:grpSpPr>
-      <mc:AlternateContent xmlns:mc="http://schemas.openxmlformats.org/markup-compatibility/2006">
-        <mc:Choice xmlns:a14="http://schemas.microsoft.com/office/drawing/2010/main" Requires="a14">
+      <mc:AlternateContent xmlns:mc="http://schemas.openxmlformats.org/markup-compatibility/2006" xmlns:a14="http://schemas.microsoft.com/office/drawing/2010/main">
+        <mc:Choice Requires="a14">
           <p:sp>
             <p:nvSpPr>
               <p:cNvPr id="3" name="内容占位符 2"/>
@@ -29424,7 +29481,7 @@
             </p:txBody>
           </p:sp>
         </mc:Choice>
-        <mc:Fallback>
+        <mc:Fallback xmlns="">
           <p:sp>
             <p:nvSpPr>
               <p:cNvPr id="3" name="内容占位符 2"/>
@@ -29791,8 +29848,8 @@
           <a:chExt cx="0" cy="0"/>
         </a:xfrm>
       </p:grpSpPr>
-      <mc:AlternateContent xmlns:mc="http://schemas.openxmlformats.org/markup-compatibility/2006">
-        <mc:Choice xmlns:a14="http://schemas.microsoft.com/office/drawing/2010/main" Requires="a14">
+      <mc:AlternateContent xmlns:mc="http://schemas.openxmlformats.org/markup-compatibility/2006" xmlns:a14="http://schemas.microsoft.com/office/drawing/2010/main">
+        <mc:Choice Requires="a14">
           <p:sp>
             <p:nvSpPr>
               <p:cNvPr id="3" name="内容占位符 2"/>
@@ -30263,7 +30320,7 @@
             </p:txBody>
           </p:sp>
         </mc:Choice>
-        <mc:Fallback>
+        <mc:Fallback xmlns="">
           <p:sp>
             <p:nvSpPr>
               <p:cNvPr id="3" name="内容占位符 2"/>
@@ -32072,8 +32129,8 @@
           </a:graphicData>
         </a:graphic>
       </p:graphicFrame>
-      <mc:AlternateContent xmlns:mc="http://schemas.openxmlformats.org/markup-compatibility/2006">
-        <mc:Choice xmlns:a14="http://schemas.microsoft.com/office/drawing/2010/main" Requires="a14">
+      <mc:AlternateContent xmlns:mc="http://schemas.openxmlformats.org/markup-compatibility/2006" xmlns:a14="http://schemas.microsoft.com/office/drawing/2010/main">
+        <mc:Choice Requires="a14">
           <p:sp>
             <p:nvSpPr>
               <p:cNvPr id="4" name="文本框 3"/>
@@ -32221,7 +32278,7 @@
             </p:txBody>
           </p:sp>
         </mc:Choice>
-        <mc:Fallback>
+        <mc:Fallback xmlns="">
           <p:sp>
             <p:nvSpPr>
               <p:cNvPr id="4" name="文本框 3"/>
@@ -34160,8 +34217,8 @@
           <a:chExt cx="0" cy="0"/>
         </a:xfrm>
       </p:grpSpPr>
-      <mc:AlternateContent xmlns:mc="http://schemas.openxmlformats.org/markup-compatibility/2006">
-        <mc:Choice xmlns:a14="http://schemas.microsoft.com/office/drawing/2010/main" Requires="a14">
+      <mc:AlternateContent xmlns:mc="http://schemas.openxmlformats.org/markup-compatibility/2006" xmlns:a14="http://schemas.microsoft.com/office/drawing/2010/main">
+        <mc:Choice Requires="a14">
           <p:sp>
             <p:nvSpPr>
               <p:cNvPr id="3" name="内容占位符 2"/>
@@ -34819,7 +34876,7 @@
             </p:txBody>
           </p:sp>
         </mc:Choice>
-        <mc:Fallback>
+        <mc:Fallback xmlns="">
           <p:sp>
             <p:nvSpPr>
               <p:cNvPr id="3" name="内容占位符 2"/>
@@ -37263,8 +37320,8 @@
           <a:chExt cx="0" cy="0"/>
         </a:xfrm>
       </p:grpSpPr>
-      <mc:AlternateContent xmlns:mc="http://schemas.openxmlformats.org/markup-compatibility/2006">
-        <mc:Choice xmlns:a14="http://schemas.microsoft.com/office/drawing/2010/main" Requires="a14">
+      <mc:AlternateContent xmlns:mc="http://schemas.openxmlformats.org/markup-compatibility/2006" xmlns:a14="http://schemas.microsoft.com/office/drawing/2010/main">
+        <mc:Choice Requires="a14">
           <p:sp>
             <p:nvSpPr>
               <p:cNvPr id="3" name="内容占位符 2"/>
@@ -38080,7 +38137,7 @@
             </p:txBody>
           </p:sp>
         </mc:Choice>
-        <mc:Fallback>
+        <mc:Fallback xmlns="">
           <p:sp>
             <p:nvSpPr>
               <p:cNvPr id="3" name="内容占位符 2"/>
@@ -38218,8 +38275,8 @@
           <a:chExt cx="0" cy="0"/>
         </a:xfrm>
       </p:grpSpPr>
-      <mc:AlternateContent xmlns:mc="http://schemas.openxmlformats.org/markup-compatibility/2006">
-        <mc:Choice xmlns:a14="http://schemas.microsoft.com/office/drawing/2010/main" Requires="a14">
+      <mc:AlternateContent xmlns:mc="http://schemas.openxmlformats.org/markup-compatibility/2006" xmlns:a14="http://schemas.microsoft.com/office/drawing/2010/main">
+        <mc:Choice Requires="a14">
           <p:sp>
             <p:nvSpPr>
               <p:cNvPr id="3" name="内容占位符 2"/>
@@ -38874,7 +38931,7 @@
             </p:txBody>
           </p:sp>
         </mc:Choice>
-        <mc:Fallback>
+        <mc:Fallback xmlns="">
           <p:sp>
             <p:nvSpPr>
               <p:cNvPr id="3" name="内容占位符 2"/>
@@ -39908,8 +39965,8 @@
           <a:chExt cx="0" cy="0"/>
         </a:xfrm>
       </p:grpSpPr>
-      <mc:AlternateContent xmlns:mc="http://schemas.openxmlformats.org/markup-compatibility/2006">
-        <mc:Choice xmlns:a14="http://schemas.microsoft.com/office/drawing/2010/main" Requires="a14">
+      <mc:AlternateContent xmlns:mc="http://schemas.openxmlformats.org/markup-compatibility/2006" xmlns:a14="http://schemas.microsoft.com/office/drawing/2010/main">
+        <mc:Choice Requires="a14">
           <p:sp>
             <p:nvSpPr>
               <p:cNvPr id="3" name="内容占位符 2"/>
@@ -40122,7 +40179,7 @@
             </p:txBody>
           </p:sp>
         </mc:Choice>
-        <mc:Fallback>
+        <mc:Fallback xmlns="">
           <p:sp>
             <p:nvSpPr>
               <p:cNvPr id="3" name="内容占位符 2"/>
@@ -45373,8 +45430,8 @@
           </a:p>
         </p:txBody>
       </p:sp>
-      <mc:AlternateContent xmlns:mc="http://schemas.openxmlformats.org/markup-compatibility/2006">
-        <mc:Choice xmlns:a14="http://schemas.microsoft.com/office/drawing/2010/main" Requires="a14">
+      <mc:AlternateContent xmlns:mc="http://schemas.openxmlformats.org/markup-compatibility/2006" xmlns:a14="http://schemas.microsoft.com/office/drawing/2010/main">
+        <mc:Choice Requires="a14">
           <p:sp>
             <p:nvSpPr>
               <p:cNvPr id="4" name="文本框 3">
@@ -45759,7 +45816,7 @@
             </p:txBody>
           </p:sp>
         </mc:Choice>
-        <mc:Fallback>
+        <mc:Fallback xmlns="">
           <p:sp>
             <p:nvSpPr>
               <p:cNvPr id="4" name="文本框 3">
